--- a/Presentation/BB Final Capstone Project PowerPoint V1.pptx
+++ b/Presentation/BB Final Capstone Project PowerPoint V1.pptx
@@ -13,8 +13,8 @@
     <p:sldId id="304" r:id="rId10"/>
     <p:sldId id="305" r:id="rId11"/>
     <p:sldId id="306" r:id="rId12"/>
-    <p:sldId id="308" r:id="rId13"/>
-    <p:sldId id="309" r:id="rId14"/>
+    <p:sldId id="309" r:id="rId13"/>
+    <p:sldId id="308" r:id="rId14"/>
     <p:sldId id="311" r:id="rId15"/>
     <p:sldId id="317" r:id="rId16"/>
   </p:sldIdLst>
@@ -367,7 +367,7 @@
           <a:p>
             <a:fld id="{9184DA70-C731-4C70-880D-CCD4705E623C}" type="datetime1">
               <a:rPr lang="en-US" smtClean="0"/>
-              <a:t>9/10/2020</a:t>
+              <a:t>9/11/2020</a:t>
             </a:fld>
             <a:endParaRPr lang="en-US" dirty="0"/>
           </a:p>
@@ -555,7 +555,7 @@
           <a:p>
             <a:fld id="{4BE1D723-8F53-4F53-90B0-1982A396982E}" type="datetime1">
               <a:rPr lang="en-US" smtClean="0"/>
-              <a:t>9/10/2020</a:t>
+              <a:t>9/11/2020</a:t>
             </a:fld>
             <a:endParaRPr lang="en-US" dirty="0"/>
           </a:p>
@@ -928,7 +928,7 @@
           <a:p>
             <a:fld id="{97669AF7-7BEB-44E4-9852-375E34362B5B}" type="datetime1">
               <a:rPr lang="en-US" smtClean="0"/>
-              <a:t>9/10/2020</a:t>
+              <a:t>9/11/2020</a:t>
             </a:fld>
             <a:endParaRPr lang="en-US" dirty="0"/>
           </a:p>
@@ -1183,7 +1183,7 @@
           <a:p>
             <a:fld id="{BAAAC38D-0552-4C82-B593-E6124DFADBE2}" type="datetime1">
               <a:rPr lang="en-US" smtClean="0"/>
-              <a:t>9/10/2020</a:t>
+              <a:t>9/11/2020</a:t>
             </a:fld>
             <a:endParaRPr lang="en-US" dirty="0"/>
           </a:p>
@@ -1580,7 +1580,7 @@
           <a:p>
             <a:fld id="{D9DF0F1C-5577-4ACB-BB62-DF8F3C494C7E}" type="datetime1">
               <a:rPr lang="en-US" smtClean="0"/>
-              <a:t>9/10/2020</a:t>
+              <a:t>9/11/2020</a:t>
             </a:fld>
             <a:endParaRPr lang="en-US" dirty="0"/>
           </a:p>
@@ -1716,7 +1716,7 @@
           <a:p>
             <a:fld id="{1775B394-D9F9-4F0C-B15D-605F45CB9E9F}" type="datetime1">
               <a:rPr lang="en-US" smtClean="0"/>
-              <a:t>9/10/2020</a:t>
+              <a:t>9/11/2020</a:t>
             </a:fld>
             <a:endParaRPr lang="en-US" dirty="0"/>
           </a:p>
@@ -1873,7 +1873,7 @@
           <a:p>
             <a:fld id="{39667345-2558-425A-8533-9BFDBCE15005}" type="datetime1">
               <a:rPr lang="en-US" smtClean="0"/>
-              <a:t>9/10/2020</a:t>
+              <a:t>9/11/2020</a:t>
             </a:fld>
             <a:endParaRPr lang="en-US" dirty="0"/>
           </a:p>
@@ -2202,7 +2202,7 @@
           <a:p>
             <a:fld id="{92BEA474-078D-4E9B-9B14-09A87B19DC46}" type="datetime1">
               <a:rPr lang="en-US" smtClean="0"/>
-              <a:t>9/10/2020</a:t>
+              <a:t>9/11/2020</a:t>
             </a:fld>
             <a:endParaRPr lang="en-US" dirty="0"/>
           </a:p>
@@ -2552,7 +2552,7 @@
           <a:p>
             <a:fld id="{4907D986-8816-4272-A432-0437A28A9828}" type="datetime1">
               <a:rPr lang="en-US" smtClean="0"/>
-              <a:t>9/10/2020</a:t>
+              <a:t>9/11/2020</a:t>
             </a:fld>
             <a:endParaRPr lang="en-US" dirty="0"/>
           </a:p>
@@ -2813,7 +2813,7 @@
           <a:p>
             <a:fld id="{62D6E202-B606-4609-B914-27C9371A1F6D}" type="datetime1">
               <a:rPr lang="en-US" smtClean="0"/>
-              <a:t>9/10/2020</a:t>
+              <a:t>9/11/2020</a:t>
             </a:fld>
             <a:endParaRPr lang="en-US" dirty="0"/>
           </a:p>
@@ -3810,6 +3810,14 @@
 <file path=ppt/slides/slide10.xml><?xml version="1.0" encoding="utf-8"?>
 <p:sld xmlns:a="http://schemas.openxmlformats.org/drawingml/2006/main" xmlns:r="http://schemas.openxmlformats.org/officeDocument/2006/relationships" xmlns:p="http://schemas.openxmlformats.org/presentationml/2006/main">
   <p:cSld>
+    <p:bg>
+      <p:bgPr>
+        <a:solidFill>
+          <a:schemeClr val="bg1"/>
+        </a:solidFill>
+        <a:effectLst/>
+      </p:bgPr>
+    </p:bg>
     <p:spTree>
       <p:nvGrpSpPr>
         <p:cNvPr id="1" name=""/>
@@ -3826,56 +3834,224 @@
       </p:grpSpPr>
       <p:sp>
         <p:nvSpPr>
-          <p:cNvPr id="4" name="Rectangle 3">
-            <a:extLst>
-              <a:ext uri="{FF2B5EF4-FFF2-40B4-BE49-F238E27FC236}">
-                <a16:creationId xmlns:a16="http://schemas.microsoft.com/office/drawing/2014/main" id="{389DF90B-AF23-4AA1-BD54-741CDDE7D1DC}"/>
-              </a:ext>
-            </a:extLst>
-          </p:cNvPr>
-          <p:cNvSpPr/>
-          <p:nvPr/>
-        </p:nvSpPr>
-        <p:spPr>
-          <a:xfrm>
-            <a:off x="443327" y="140245"/>
-            <a:ext cx="3956596" cy="923330"/>
+          <p:cNvPr id="12" name="Rectangle 11">
+            <a:extLst>
+              <a:ext uri="{FF2B5EF4-FFF2-40B4-BE49-F238E27FC236}">
+                <a16:creationId xmlns:a16="http://schemas.microsoft.com/office/drawing/2014/main" id="{41497DE5-0939-4D1D-9350-0C5E1B209C68}"/>
+              </a:ext>
+              <a:ext uri="{C183D7F6-B498-43B3-948B-1728B52AA6E4}">
+                <adec:decorative xmlns:adec="http://schemas.microsoft.com/office/drawing/2017/decorative" val="1"/>
+              </a:ext>
+            </a:extLst>
+          </p:cNvPr>
+          <p:cNvSpPr>
+            <a:spLocks noGrp="1" noRot="1" noChangeAspect="1" noMove="1" noResize="1" noEditPoints="1" noAdjustHandles="1" noChangeArrowheads="1" noChangeShapeType="1" noTextEdit="1"/>
+          </p:cNvSpPr>
+          <p:nvPr>
+            <p:extLst>
+              <p:ext uri="{386F3935-93C4-4BCD-93E2-E3B085C9AB24}">
+                <p16:designElem xmlns:p16="http://schemas.microsoft.com/office/powerpoint/2015/main" val="1"/>
+              </p:ext>
+            </p:extLst>
+          </p:nvPr>
+        </p:nvSpPr>
+        <p:spPr>
+          <a:xfrm>
+            <a:off x="0" y="0"/>
+            <a:ext cx="12192000" cy="6858000"/>
           </a:xfrm>
           <a:prstGeom prst="rect">
             <a:avLst/>
           </a:prstGeom>
-          <a:noFill/>
-        </p:spPr>
-        <p:txBody>
-          <a:bodyPr wrap="none" lIns="91440" tIns="45720" rIns="91440" bIns="45720">
-            <a:spAutoFit/>
-          </a:bodyPr>
+          <a:solidFill>
+            <a:srgbClr val="262626"/>
+          </a:solidFill>
+          <a:ln>
+            <a:noFill/>
+          </a:ln>
+        </p:spPr>
+        <p:style>
+          <a:lnRef idx="2">
+            <a:schemeClr val="accent1">
+              <a:shade val="50000"/>
+            </a:schemeClr>
+          </a:lnRef>
+          <a:fillRef idx="1">
+            <a:schemeClr val="accent1"/>
+          </a:fillRef>
+          <a:effectRef idx="0">
+            <a:schemeClr val="accent1"/>
+          </a:effectRef>
+          <a:fontRef idx="minor">
+            <a:schemeClr val="lt1"/>
+          </a:fontRef>
+        </p:style>
+        <p:txBody>
+          <a:bodyPr rtlCol="0" anchor="ctr"/>
           <a:lstStyle/>
           <a:p>
             <a:pPr algn="ctr"/>
-            <a:r>
-              <a:rPr lang="en-US" sz="5400" b="0" cap="none" spc="0" dirty="0">
-                <a:ln w="0"/>
-                <a:solidFill>
-                  <a:schemeClr val="tx1"/>
-                </a:solidFill>
-                <a:effectLst>
-                  <a:outerShdw blurRad="38100" dist="19050" dir="2700000" algn="tl" rotWithShape="0">
-                    <a:schemeClr val="dk1">
-                      <a:alpha val="40000"/>
-                    </a:schemeClr>
-                  </a:outerShdw>
-                </a:effectLst>
-              </a:rPr>
-              <a:t>Dashboard 2</a:t>
-            </a:r>
-          </a:p>
-        </p:txBody>
-      </p:sp>
+            <a:endParaRPr lang="en-US"/>
+          </a:p>
+        </p:txBody>
+      </p:sp>
+      <p:sp>
+        <p:nvSpPr>
+          <p:cNvPr id="14" name="Rectangle 13">
+            <a:extLst>
+              <a:ext uri="{FF2B5EF4-FFF2-40B4-BE49-F238E27FC236}">
+                <a16:creationId xmlns:a16="http://schemas.microsoft.com/office/drawing/2014/main" id="{5CCC70ED-6C63-4537-B7EB-51990D6C0A6F}"/>
+              </a:ext>
+              <a:ext uri="{C183D7F6-B498-43B3-948B-1728B52AA6E4}">
+                <adec:decorative xmlns:adec="http://schemas.microsoft.com/office/drawing/2017/decorative" val="1"/>
+              </a:ext>
+            </a:extLst>
+          </p:cNvPr>
+          <p:cNvSpPr>
+            <a:spLocks noGrp="1" noRot="1" noChangeAspect="1" noMove="1" noResize="1" noEditPoints="1" noAdjustHandles="1" noChangeArrowheads="1" noChangeShapeType="1" noTextEdit="1"/>
+          </p:cNvSpPr>
+          <p:nvPr>
+            <p:extLst>
+              <p:ext uri="{386F3935-93C4-4BCD-93E2-E3B085C9AB24}">
+                <p16:designElem xmlns:p16="http://schemas.microsoft.com/office/powerpoint/2015/main" val="1"/>
+              </p:ext>
+            </p:extLst>
+          </p:nvPr>
+        </p:nvSpPr>
+        <p:spPr>
+          <a:xfrm>
+            <a:off x="458724" y="457200"/>
+            <a:ext cx="11274552" cy="5943600"/>
+          </a:xfrm>
+          <a:prstGeom prst="rect">
+            <a:avLst/>
+          </a:prstGeom>
+          <a:ln>
+            <a:noFill/>
+          </a:ln>
+        </p:spPr>
+        <p:style>
+          <a:lnRef idx="2">
+            <a:schemeClr val="accent1">
+              <a:shade val="50000"/>
+            </a:schemeClr>
+          </a:lnRef>
+          <a:fillRef idx="1">
+            <a:schemeClr val="accent1"/>
+          </a:fillRef>
+          <a:effectRef idx="0">
+            <a:schemeClr val="accent1"/>
+          </a:effectRef>
+          <a:fontRef idx="minor">
+            <a:schemeClr val="lt1"/>
+          </a:fontRef>
+        </p:style>
+        <p:txBody>
+          <a:bodyPr rtlCol="0" anchor="ctr"/>
+          <a:lstStyle/>
+          <a:p>
+            <a:pPr algn="ctr"/>
+            <a:endParaRPr lang="en-US"/>
+          </a:p>
+        </p:txBody>
+      </p:sp>
+      <p:sp>
+        <p:nvSpPr>
+          <p:cNvPr id="16" name="Rectangle 15">
+            <a:extLst>
+              <a:ext uri="{FF2B5EF4-FFF2-40B4-BE49-F238E27FC236}">
+                <a16:creationId xmlns:a16="http://schemas.microsoft.com/office/drawing/2014/main" id="{B76E24C1-2968-40DC-A36E-F6B85F0F0752}"/>
+              </a:ext>
+              <a:ext uri="{C183D7F6-B498-43B3-948B-1728B52AA6E4}">
+                <adec:decorative xmlns:adec="http://schemas.microsoft.com/office/drawing/2017/decorative" val="1"/>
+              </a:ext>
+            </a:extLst>
+          </p:cNvPr>
+          <p:cNvSpPr>
+            <a:spLocks noGrp="1" noRot="1" noChangeAspect="1" noMove="1" noResize="1" noEditPoints="1" noAdjustHandles="1" noChangeArrowheads="1" noChangeShapeType="1" noTextEdit="1"/>
+          </p:cNvSpPr>
+          <p:nvPr>
+            <p:extLst>
+              <p:ext uri="{386F3935-93C4-4BCD-93E2-E3B085C9AB24}">
+                <p16:designElem xmlns:p16="http://schemas.microsoft.com/office/powerpoint/2015/main" val="1"/>
+              </p:ext>
+            </p:extLst>
+          </p:nvPr>
+        </p:nvSpPr>
+        <p:spPr>
+          <a:xfrm>
+            <a:off x="522732" y="521208"/>
+            <a:ext cx="11146536" cy="5815584"/>
+          </a:xfrm>
+          <a:prstGeom prst="rect">
+            <a:avLst/>
+          </a:prstGeom>
+          <a:solidFill>
+            <a:srgbClr val="FFFFFF"/>
+          </a:solidFill>
+          <a:ln>
+            <a:noFill/>
+          </a:ln>
+        </p:spPr>
+        <p:style>
+          <a:lnRef idx="2">
+            <a:schemeClr val="accent1">
+              <a:shade val="50000"/>
+            </a:schemeClr>
+          </a:lnRef>
+          <a:fillRef idx="1">
+            <a:schemeClr val="accent1"/>
+          </a:fillRef>
+          <a:effectRef idx="0">
+            <a:schemeClr val="accent1"/>
+          </a:effectRef>
+          <a:fontRef idx="minor">
+            <a:schemeClr val="lt1"/>
+          </a:fontRef>
+        </p:style>
+        <p:txBody>
+          <a:bodyPr rtlCol="0" anchor="ctr"/>
+          <a:lstStyle/>
+          <a:p>
+            <a:pPr algn="ctr"/>
+            <a:endParaRPr lang="en-US"/>
+          </a:p>
+        </p:txBody>
+      </p:sp>
+      <p:pic>
+        <p:nvPicPr>
+          <p:cNvPr id="7" name="Picture 6">
+            <a:extLst>
+              <a:ext uri="{FF2B5EF4-FFF2-40B4-BE49-F238E27FC236}">
+                <a16:creationId xmlns:a16="http://schemas.microsoft.com/office/drawing/2014/main" id="{3CA46161-FFEA-4F66-9EC3-F330B229311D}"/>
+              </a:ext>
+            </a:extLst>
+          </p:cNvPr>
+          <p:cNvPicPr>
+            <a:picLocks noChangeAspect="1"/>
+          </p:cNvPicPr>
+          <p:nvPr/>
+        </p:nvPicPr>
+        <p:blipFill>
+          <a:blip r:embed="rId2"/>
+          <a:stretch>
+            <a:fillRect/>
+          </a:stretch>
+        </p:blipFill>
+        <p:spPr>
+          <a:xfrm>
+            <a:off x="1626637" y="521207"/>
+            <a:ext cx="8938726" cy="5815583"/>
+          </a:xfrm>
+          <a:prstGeom prst="rect">
+            <a:avLst/>
+          </a:prstGeom>
+        </p:spPr>
+      </p:pic>
     </p:spTree>
     <p:extLst>
       <p:ext uri="{BB962C8B-B14F-4D97-AF65-F5344CB8AC3E}">
-        <p14:creationId xmlns:p14="http://schemas.microsoft.com/office/powerpoint/2010/main" val="3208493894"/>
+        <p14:creationId xmlns:p14="http://schemas.microsoft.com/office/powerpoint/2010/main" val="3448532603"/>
       </p:ext>
     </p:extLst>
   </p:cSld>
@@ -3888,6 +4064,14 @@
 <file path=ppt/slides/slide11.xml><?xml version="1.0" encoding="utf-8"?>
 <p:sld xmlns:a="http://schemas.openxmlformats.org/drawingml/2006/main" xmlns:r="http://schemas.openxmlformats.org/officeDocument/2006/relationships" xmlns:p="http://schemas.openxmlformats.org/presentationml/2006/main">
   <p:cSld>
+    <p:bg>
+      <p:bgPr>
+        <a:solidFill>
+          <a:schemeClr val="bg1"/>
+        </a:solidFill>
+        <a:effectLst/>
+      </p:bgPr>
+    </p:bg>
     <p:spTree>
       <p:nvGrpSpPr>
         <p:cNvPr id="1" name=""/>
@@ -3904,52 +4088,220 @@
       </p:grpSpPr>
       <p:sp>
         <p:nvSpPr>
-          <p:cNvPr id="4" name="Rectangle 3">
-            <a:extLst>
-              <a:ext uri="{FF2B5EF4-FFF2-40B4-BE49-F238E27FC236}">
-                <a16:creationId xmlns:a16="http://schemas.microsoft.com/office/drawing/2014/main" id="{389DF90B-AF23-4AA1-BD54-741CDDE7D1DC}"/>
-              </a:ext>
-            </a:extLst>
-          </p:cNvPr>
-          <p:cNvSpPr/>
-          <p:nvPr/>
-        </p:nvSpPr>
-        <p:spPr>
-          <a:xfrm>
-            <a:off x="443327" y="140245"/>
-            <a:ext cx="3956596" cy="923330"/>
+          <p:cNvPr id="8" name="Rectangle 7">
+            <a:extLst>
+              <a:ext uri="{FF2B5EF4-FFF2-40B4-BE49-F238E27FC236}">
+                <a16:creationId xmlns:a16="http://schemas.microsoft.com/office/drawing/2014/main" id="{41497DE5-0939-4D1D-9350-0C5E1B209C68}"/>
+              </a:ext>
+              <a:ext uri="{C183D7F6-B498-43B3-948B-1728B52AA6E4}">
+                <adec:decorative xmlns:adec="http://schemas.microsoft.com/office/drawing/2017/decorative" val="1"/>
+              </a:ext>
+            </a:extLst>
+          </p:cNvPr>
+          <p:cNvSpPr>
+            <a:spLocks noGrp="1" noRot="1" noChangeAspect="1" noMove="1" noResize="1" noEditPoints="1" noAdjustHandles="1" noChangeArrowheads="1" noChangeShapeType="1" noTextEdit="1"/>
+          </p:cNvSpPr>
+          <p:nvPr>
+            <p:extLst>
+              <p:ext uri="{386F3935-93C4-4BCD-93E2-E3B085C9AB24}">
+                <p16:designElem xmlns:p16="http://schemas.microsoft.com/office/powerpoint/2015/main" val="1"/>
+              </p:ext>
+            </p:extLst>
+          </p:nvPr>
+        </p:nvSpPr>
+        <p:spPr>
+          <a:xfrm>
+            <a:off x="0" y="0"/>
+            <a:ext cx="12192000" cy="6858000"/>
           </a:xfrm>
           <a:prstGeom prst="rect">
             <a:avLst/>
           </a:prstGeom>
-          <a:noFill/>
-        </p:spPr>
-        <p:txBody>
-          <a:bodyPr wrap="none" lIns="91440" tIns="45720" rIns="91440" bIns="45720">
-            <a:spAutoFit/>
-          </a:bodyPr>
+          <a:solidFill>
+            <a:srgbClr val="262626"/>
+          </a:solidFill>
+          <a:ln>
+            <a:noFill/>
+          </a:ln>
+        </p:spPr>
+        <p:style>
+          <a:lnRef idx="2">
+            <a:schemeClr val="accent1">
+              <a:shade val="50000"/>
+            </a:schemeClr>
+          </a:lnRef>
+          <a:fillRef idx="1">
+            <a:schemeClr val="accent1"/>
+          </a:fillRef>
+          <a:effectRef idx="0">
+            <a:schemeClr val="accent1"/>
+          </a:effectRef>
+          <a:fontRef idx="minor">
+            <a:schemeClr val="lt1"/>
+          </a:fontRef>
+        </p:style>
+        <p:txBody>
+          <a:bodyPr rtlCol="0" anchor="ctr"/>
           <a:lstStyle/>
           <a:p>
             <a:pPr algn="ctr"/>
-            <a:r>
-              <a:rPr lang="en-US" sz="5400" b="0" cap="none" spc="0" dirty="0">
-                <a:ln w="0"/>
-                <a:solidFill>
-                  <a:schemeClr val="tx1"/>
-                </a:solidFill>
-                <a:effectLst>
-                  <a:outerShdw blurRad="38100" dist="19050" dir="2700000" algn="tl" rotWithShape="0">
-                    <a:schemeClr val="dk1">
-                      <a:alpha val="40000"/>
-                    </a:schemeClr>
-                  </a:outerShdw>
-                </a:effectLst>
-              </a:rPr>
-              <a:t>Dashboard 3</a:t>
-            </a:r>
-          </a:p>
-        </p:txBody>
-      </p:sp>
+            <a:endParaRPr lang="en-US"/>
+          </a:p>
+        </p:txBody>
+      </p:sp>
+      <p:sp>
+        <p:nvSpPr>
+          <p:cNvPr id="10" name="Rectangle 9">
+            <a:extLst>
+              <a:ext uri="{FF2B5EF4-FFF2-40B4-BE49-F238E27FC236}">
+                <a16:creationId xmlns:a16="http://schemas.microsoft.com/office/drawing/2014/main" id="{5CCC70ED-6C63-4537-B7EB-51990D6C0A6F}"/>
+              </a:ext>
+              <a:ext uri="{C183D7F6-B498-43B3-948B-1728B52AA6E4}">
+                <adec:decorative xmlns:adec="http://schemas.microsoft.com/office/drawing/2017/decorative" val="1"/>
+              </a:ext>
+            </a:extLst>
+          </p:cNvPr>
+          <p:cNvSpPr>
+            <a:spLocks noGrp="1" noRot="1" noChangeAspect="1" noMove="1" noResize="1" noEditPoints="1" noAdjustHandles="1" noChangeArrowheads="1" noChangeShapeType="1" noTextEdit="1"/>
+          </p:cNvSpPr>
+          <p:nvPr>
+            <p:extLst>
+              <p:ext uri="{386F3935-93C4-4BCD-93E2-E3B085C9AB24}">
+                <p16:designElem xmlns:p16="http://schemas.microsoft.com/office/powerpoint/2015/main" val="1"/>
+              </p:ext>
+            </p:extLst>
+          </p:nvPr>
+        </p:nvSpPr>
+        <p:spPr>
+          <a:xfrm>
+            <a:off x="458724" y="457200"/>
+            <a:ext cx="11274552" cy="5943600"/>
+          </a:xfrm>
+          <a:prstGeom prst="rect">
+            <a:avLst/>
+          </a:prstGeom>
+          <a:ln>
+            <a:noFill/>
+          </a:ln>
+        </p:spPr>
+        <p:style>
+          <a:lnRef idx="2">
+            <a:schemeClr val="accent1">
+              <a:shade val="50000"/>
+            </a:schemeClr>
+          </a:lnRef>
+          <a:fillRef idx="1">
+            <a:schemeClr val="accent1"/>
+          </a:fillRef>
+          <a:effectRef idx="0">
+            <a:schemeClr val="accent1"/>
+          </a:effectRef>
+          <a:fontRef idx="minor">
+            <a:schemeClr val="lt1"/>
+          </a:fontRef>
+        </p:style>
+        <p:txBody>
+          <a:bodyPr rtlCol="0" anchor="ctr"/>
+          <a:lstStyle/>
+          <a:p>
+            <a:pPr algn="ctr"/>
+            <a:endParaRPr lang="en-US"/>
+          </a:p>
+        </p:txBody>
+      </p:sp>
+      <p:sp>
+        <p:nvSpPr>
+          <p:cNvPr id="12" name="Rectangle 11">
+            <a:extLst>
+              <a:ext uri="{FF2B5EF4-FFF2-40B4-BE49-F238E27FC236}">
+                <a16:creationId xmlns:a16="http://schemas.microsoft.com/office/drawing/2014/main" id="{B76E24C1-2968-40DC-A36E-F6B85F0F0752}"/>
+              </a:ext>
+              <a:ext uri="{C183D7F6-B498-43B3-948B-1728B52AA6E4}">
+                <adec:decorative xmlns:adec="http://schemas.microsoft.com/office/drawing/2017/decorative" val="1"/>
+              </a:ext>
+            </a:extLst>
+          </p:cNvPr>
+          <p:cNvSpPr>
+            <a:spLocks noGrp="1" noRot="1" noChangeAspect="1" noMove="1" noResize="1" noEditPoints="1" noAdjustHandles="1" noChangeArrowheads="1" noChangeShapeType="1" noTextEdit="1"/>
+          </p:cNvSpPr>
+          <p:nvPr>
+            <p:extLst>
+              <p:ext uri="{386F3935-93C4-4BCD-93E2-E3B085C9AB24}">
+                <p16:designElem xmlns:p16="http://schemas.microsoft.com/office/powerpoint/2015/main" val="1"/>
+              </p:ext>
+            </p:extLst>
+          </p:nvPr>
+        </p:nvSpPr>
+        <p:spPr>
+          <a:xfrm>
+            <a:off x="522732" y="521208"/>
+            <a:ext cx="11146536" cy="5815584"/>
+          </a:xfrm>
+          <a:prstGeom prst="rect">
+            <a:avLst/>
+          </a:prstGeom>
+          <a:solidFill>
+            <a:srgbClr val="FFFFFF"/>
+          </a:solidFill>
+          <a:ln>
+            <a:noFill/>
+          </a:ln>
+        </p:spPr>
+        <p:style>
+          <a:lnRef idx="2">
+            <a:schemeClr val="accent1">
+              <a:shade val="50000"/>
+            </a:schemeClr>
+          </a:lnRef>
+          <a:fillRef idx="1">
+            <a:schemeClr val="accent1"/>
+          </a:fillRef>
+          <a:effectRef idx="0">
+            <a:schemeClr val="accent1"/>
+          </a:effectRef>
+          <a:fontRef idx="minor">
+            <a:schemeClr val="lt1"/>
+          </a:fontRef>
+        </p:style>
+        <p:txBody>
+          <a:bodyPr rtlCol="0" anchor="ctr"/>
+          <a:lstStyle/>
+          <a:p>
+            <a:pPr algn="ctr"/>
+            <a:endParaRPr lang="en-US"/>
+          </a:p>
+        </p:txBody>
+      </p:sp>
+      <p:pic>
+        <p:nvPicPr>
+          <p:cNvPr id="3" name="Picture 2">
+            <a:extLst>
+              <a:ext uri="{FF2B5EF4-FFF2-40B4-BE49-F238E27FC236}">
+                <a16:creationId xmlns:a16="http://schemas.microsoft.com/office/drawing/2014/main" id="{61908F0E-62E6-4263-A762-EC0C955C800C}"/>
+              </a:ext>
+            </a:extLst>
+          </p:cNvPr>
+          <p:cNvPicPr>
+            <a:picLocks noChangeAspect="1"/>
+          </p:cNvPicPr>
+          <p:nvPr/>
+        </p:nvPicPr>
+        <p:blipFill>
+          <a:blip r:embed="rId2"/>
+          <a:stretch>
+            <a:fillRect/>
+          </a:stretch>
+        </p:blipFill>
+        <p:spPr>
+          <a:xfrm>
+            <a:off x="1721548" y="607479"/>
+            <a:ext cx="8748903" cy="5643042"/>
+          </a:xfrm>
+          <a:prstGeom prst="rect">
+            <a:avLst/>
+          </a:prstGeom>
+        </p:spPr>
+      </p:pic>
     </p:spTree>
     <p:extLst>
       <p:ext uri="{BB962C8B-B14F-4D97-AF65-F5344CB8AC3E}">
@@ -4755,10 +5107,10 @@
       </p:grpSpPr>
       <p:sp useBgFill="1">
         <p:nvSpPr>
-          <p:cNvPr id="8" name="Rectangle 7">
-            <a:extLst>
-              <a:ext uri="{FF2B5EF4-FFF2-40B4-BE49-F238E27FC236}">
-                <a16:creationId xmlns:a16="http://schemas.microsoft.com/office/drawing/2014/main" id="{3741B58E-3B65-4A01-A276-975AB2CF8A08}"/>
+          <p:cNvPr id="137" name="Rectangle 136">
+            <a:extLst>
+              <a:ext uri="{FF2B5EF4-FFF2-40B4-BE49-F238E27FC236}">
+                <a16:creationId xmlns:a16="http://schemas.microsoft.com/office/drawing/2014/main" id="{39B4056F-1959-4627-A683-77F6C0603FCD}"/>
               </a:ext>
               <a:ext uri="{C183D7F6-B498-43B3-948B-1728B52AA6E4}">
                 <adec:decorative xmlns:adec="http://schemas.microsoft.com/office/drawing/2017/decorative" val="1"/>
@@ -4779,74 +5131,11 @@
         <p:spPr>
           <a:xfrm>
             <a:off x="0" y="0"/>
-            <a:ext cx="12186315" cy="6858000"/>
+            <a:ext cx="12192001" cy="6858000"/>
           </a:xfrm>
           <a:prstGeom prst="rect">
             <a:avLst/>
           </a:prstGeom>
-          <a:ln>
-            <a:noFill/>
-          </a:ln>
-        </p:spPr>
-        <p:style>
-          <a:lnRef idx="2">
-            <a:schemeClr val="accent6">
-              <a:shade val="50000"/>
-            </a:schemeClr>
-          </a:lnRef>
-          <a:fillRef idx="1001">
-            <a:schemeClr val="lt1"/>
-          </a:fillRef>
-          <a:effectRef idx="0">
-            <a:schemeClr val="accent6"/>
-          </a:effectRef>
-          <a:fontRef idx="minor">
-            <a:schemeClr val="lt1"/>
-          </a:fontRef>
-        </p:style>
-        <p:txBody>
-          <a:bodyPr rtlCol="0" anchor="ctr"/>
-          <a:lstStyle/>
-          <a:p>
-            <a:pPr algn="ctr"/>
-            <a:endParaRPr lang="en-US"/>
-          </a:p>
-        </p:txBody>
-      </p:sp>
-      <p:sp>
-        <p:nvSpPr>
-          <p:cNvPr id="10" name="Rectangle 9">
-            <a:extLst>
-              <a:ext uri="{FF2B5EF4-FFF2-40B4-BE49-F238E27FC236}">
-                <a16:creationId xmlns:a16="http://schemas.microsoft.com/office/drawing/2014/main" id="{7AAC67C3-831B-4AB1-A259-DFB839CAFAFC}"/>
-              </a:ext>
-              <a:ext uri="{C183D7F6-B498-43B3-948B-1728B52AA6E4}">
-                <adec:decorative xmlns:adec="http://schemas.microsoft.com/office/drawing/2017/decorative" val="1"/>
-              </a:ext>
-            </a:extLst>
-          </p:cNvPr>
-          <p:cNvSpPr>
-            <a:spLocks noGrp="1" noRot="1" noChangeAspect="1" noMove="1" noResize="1" noEditPoints="1" noAdjustHandles="1" noChangeArrowheads="1" noChangeShapeType="1" noTextEdit="1"/>
-          </p:cNvSpPr>
-          <p:nvPr>
-            <p:extLst>
-              <p:ext uri="{386F3935-93C4-4BCD-93E2-E3B085C9AB24}">
-                <p16:designElem xmlns:p16="http://schemas.microsoft.com/office/powerpoint/2015/main" val="1"/>
-              </p:ext>
-            </p:extLst>
-          </p:nvPr>
-        </p:nvSpPr>
-        <p:spPr>
-          <a:xfrm>
-            <a:off x="16" y="-1"/>
-            <a:ext cx="4648593" cy="6857999"/>
-          </a:xfrm>
-          <a:prstGeom prst="rect">
-            <a:avLst/>
-          </a:prstGeom>
-          <a:solidFill>
-            <a:schemeClr val="accent1"/>
-          </a:solidFill>
           <a:ln>
             <a:noFill/>
           </a:ln>
@@ -4867,84 +5156,67 @@
             <a:schemeClr val="lt1"/>
           </a:fontRef>
         </p:style>
-      </p:sp>
-      <p:sp>
-        <p:nvSpPr>
-          <p:cNvPr id="2" name="Title 1">
-            <a:extLst>
-              <a:ext uri="{FF2B5EF4-FFF2-40B4-BE49-F238E27FC236}">
-                <a16:creationId xmlns:a16="http://schemas.microsoft.com/office/drawing/2014/main" id="{77CFA522-BA14-4FDB-AB62-EECF19BA042F}"/>
-              </a:ext>
-            </a:extLst>
-          </p:cNvPr>
-          <p:cNvSpPr>
-            <a:spLocks noGrp="1"/>
-          </p:cNvSpPr>
-          <p:nvPr>
-            <p:ph type="title"/>
-          </p:nvPr>
-        </p:nvSpPr>
-        <p:spPr>
-          <a:xfrm>
-            <a:off x="492369" y="605896"/>
-            <a:ext cx="3642309" cy="5646208"/>
-          </a:xfrm>
-        </p:spPr>
-        <p:txBody>
-          <a:bodyPr anchor="ctr">
-            <a:normAutofit/>
-          </a:bodyPr>
+        <p:txBody>
+          <a:bodyPr rtlCol="0" anchor="ctr"/>
           <a:lstStyle/>
           <a:p>
-            <a:r>
-              <a:rPr lang="en-US" sz="4400" dirty="0">
+            <a:pPr algn="ctr"/>
+            <a:endParaRPr lang="en-US"/>
+          </a:p>
+        </p:txBody>
+      </p:sp>
+      <p:pic>
+        <p:nvPicPr>
+          <p:cNvPr id="1026" name="Picture 2">
+            <a:extLst>
+              <a:ext uri="{FF2B5EF4-FFF2-40B4-BE49-F238E27FC236}">
+                <a16:creationId xmlns:a16="http://schemas.microsoft.com/office/drawing/2014/main" id="{499596C5-99FD-4F2B-B3BE-AA1C4071DD22}"/>
+              </a:ext>
+            </a:extLst>
+          </p:cNvPr>
+          <p:cNvPicPr>
+            <a:picLocks noChangeAspect="1" noChangeArrowheads="1"/>
+          </p:cNvPicPr>
+          <p:nvPr/>
+        </p:nvPicPr>
+        <p:blipFill>
+          <a:blip r:embed="rId2">
+            <a:extLst>
+              <a:ext uri="{28A0092B-C50C-407E-A947-70E740481C1C}">
+                <a14:useLocalDpi xmlns:a14="http://schemas.microsoft.com/office/drawing/2010/main" val="0"/>
+              </a:ext>
+            </a:extLst>
+          </a:blip>
+          <a:stretch>
+            <a:fillRect/>
+          </a:stretch>
+        </p:blipFill>
+        <p:spPr bwMode="auto">
+          <a:xfrm>
+            <a:off x="2873829" y="286779"/>
+            <a:ext cx="6111551" cy="4032630"/>
+          </a:xfrm>
+          <a:prstGeom prst="rect">
+            <a:avLst/>
+          </a:prstGeom>
+          <a:noFill/>
+          <a:extLst>
+            <a:ext uri="{909E8E84-426E-40DD-AFC4-6F175D3DCCD1}">
+              <a14:hiddenFill xmlns:a14="http://schemas.microsoft.com/office/drawing/2010/main">
                 <a:solidFill>
                   <a:srgbClr val="FFFFFF"/>
                 </a:solidFill>
-              </a:rPr>
-              <a:t>Bar Plot from Python</a:t>
-            </a:r>
-          </a:p>
-        </p:txBody>
-      </p:sp>
-      <p:sp>
-        <p:nvSpPr>
-          <p:cNvPr id="3" name="Content Placeholder 2">
-            <a:extLst>
-              <a:ext uri="{FF2B5EF4-FFF2-40B4-BE49-F238E27FC236}">
-                <a16:creationId xmlns:a16="http://schemas.microsoft.com/office/drawing/2014/main" id="{FDC09D0F-EC18-4BBB-8894-064B0464B255}"/>
-              </a:ext>
-            </a:extLst>
-          </p:cNvPr>
-          <p:cNvSpPr>
-            <a:spLocks noGrp="1"/>
-          </p:cNvSpPr>
-          <p:nvPr>
-            <p:ph idx="1"/>
-          </p:nvPr>
-        </p:nvSpPr>
-        <p:spPr>
-          <a:xfrm>
-            <a:off x="5231958" y="605896"/>
-            <a:ext cx="5923721" cy="5646208"/>
-          </a:xfrm>
-        </p:spPr>
-        <p:txBody>
-          <a:bodyPr anchor="ctr">
-            <a:normAutofit/>
-          </a:bodyPr>
-          <a:lstStyle/>
-          <a:p>
-            <a:endParaRPr lang="en-US" sz="2400" dirty="0"/>
-          </a:p>
-        </p:txBody>
-      </p:sp>
-      <p:sp>
-        <p:nvSpPr>
-          <p:cNvPr id="12" name="Rectangle 11">
-            <a:extLst>
-              <a:ext uri="{FF2B5EF4-FFF2-40B4-BE49-F238E27FC236}">
-                <a16:creationId xmlns:a16="http://schemas.microsoft.com/office/drawing/2014/main" id="{FCAEED9E-BB91-43A0-911B-1ACD8803E3CE}"/>
+              </a14:hiddenFill>
+            </a:ext>
+          </a:extLst>
+        </p:spPr>
+      </p:pic>
+      <p:sp>
+        <p:nvSpPr>
+          <p:cNvPr id="139" name="Rectangle 138">
+            <a:extLst>
+              <a:ext uri="{FF2B5EF4-FFF2-40B4-BE49-F238E27FC236}">
+                <a16:creationId xmlns:a16="http://schemas.microsoft.com/office/drawing/2014/main" id="{D8D7349B-C9FA-4FCE-A1FF-948F460A3A9A}"/>
               </a:ext>
               <a:ext uri="{C183D7F6-B498-43B3-948B-1728B52AA6E4}">
                 <adec:decorative xmlns:adec="http://schemas.microsoft.com/office/drawing/2017/decorative" val="1"/>
@@ -4962,10 +5234,10 @@
             </p:extLst>
           </p:nvPr>
         </p:nvSpPr>
-        <p:spPr>
-          <a:xfrm>
-            <a:off x="0" y="6400800"/>
-            <a:ext cx="12192000" cy="457200"/>
+        <p:spPr bwMode="white">
+          <a:xfrm>
+            <a:off x="1507" y="4554906"/>
+            <a:ext cx="12188952" cy="2303094"/>
           </a:xfrm>
           <a:prstGeom prst="rect">
             <a:avLst/>
@@ -4993,6 +5265,137 @@
             <a:schemeClr val="lt1"/>
           </a:fontRef>
         </p:style>
+      </p:sp>
+      <p:sp>
+        <p:nvSpPr>
+          <p:cNvPr id="2" name="Title 1">
+            <a:extLst>
+              <a:ext uri="{FF2B5EF4-FFF2-40B4-BE49-F238E27FC236}">
+                <a16:creationId xmlns:a16="http://schemas.microsoft.com/office/drawing/2014/main" id="{77CFA522-BA14-4FDB-AB62-EECF19BA042F}"/>
+              </a:ext>
+            </a:extLst>
+          </p:cNvPr>
+          <p:cNvSpPr>
+            <a:spLocks noGrp="1"/>
+          </p:cNvSpPr>
+          <p:nvPr>
+            <p:ph type="title"/>
+          </p:nvPr>
+        </p:nvSpPr>
+        <p:spPr>
+          <a:xfrm>
+            <a:off x="633998" y="4905301"/>
+            <a:ext cx="4988879" cy="1554485"/>
+          </a:xfrm>
+        </p:spPr>
+        <p:txBody>
+          <a:bodyPr vert="horz" lIns="91440" tIns="45720" rIns="91440" bIns="45720" rtlCol="0" anchor="ctr">
+            <a:normAutofit/>
+          </a:bodyPr>
+          <a:lstStyle/>
+          <a:p>
+            <a:pPr algn="r"/>
+            <a:r>
+              <a:rPr lang="en-US" sz="4000" dirty="0">
+                <a:solidFill>
+                  <a:srgbClr val="FFFFFF"/>
+                </a:solidFill>
+              </a:rPr>
+              <a:t>Occurrence by Gender</a:t>
+            </a:r>
+          </a:p>
+        </p:txBody>
+      </p:sp>
+      <p:cxnSp>
+        <p:nvCxnSpPr>
+          <p:cNvPr id="141" name="Straight Connector 140">
+            <a:extLst>
+              <a:ext uri="{FF2B5EF4-FFF2-40B4-BE49-F238E27FC236}">
+                <a16:creationId xmlns:a16="http://schemas.microsoft.com/office/drawing/2014/main" id="{55646586-8E5D-4A2B-BDA9-01CE28AC89A1}"/>
+              </a:ext>
+              <a:ext uri="{C183D7F6-B498-43B3-948B-1728B52AA6E4}">
+                <adec:decorative xmlns:adec="http://schemas.microsoft.com/office/drawing/2017/decorative" val="1"/>
+              </a:ext>
+            </a:extLst>
+          </p:cNvPr>
+          <p:cNvCxnSpPr>
+            <a:cxnSpLocks noGrp="1" noRot="1" noChangeAspect="1" noMove="1" noResize="1" noEditPoints="1" noAdjustHandles="1" noChangeArrowheads="1" noChangeShapeType="1"/>
+          </p:cNvCxnSpPr>
+          <p:nvPr>
+            <p:extLst>
+              <p:ext uri="{386F3935-93C4-4BCD-93E2-E3B085C9AB24}">
+                <p16:designElem xmlns:p16="http://schemas.microsoft.com/office/powerpoint/2015/main" val="1"/>
+              </p:ext>
+            </p:extLst>
+          </p:nvPr>
+        </p:nvCxnSpPr>
+        <p:spPr>
+          <a:xfrm>
+            <a:off x="5820770" y="5247564"/>
+            <a:ext cx="0" cy="873457"/>
+          </a:xfrm>
+          <a:prstGeom prst="line">
+            <a:avLst/>
+          </a:prstGeom>
+          <a:ln w="19050">
+            <a:solidFill>
+              <a:srgbClr val="4C72B0"/>
+            </a:solidFill>
+          </a:ln>
+        </p:spPr>
+        <p:style>
+          <a:lnRef idx="1">
+            <a:schemeClr val="accent1"/>
+          </a:lnRef>
+          <a:fillRef idx="0">
+            <a:schemeClr val="accent1"/>
+          </a:fillRef>
+          <a:effectRef idx="0">
+            <a:schemeClr val="accent1"/>
+          </a:effectRef>
+          <a:fontRef idx="minor">
+            <a:schemeClr val="tx1"/>
+          </a:fontRef>
+        </p:style>
+      </p:cxnSp>
+      <p:sp>
+        <p:nvSpPr>
+          <p:cNvPr id="1030" name="Content Placeholder 1029">
+            <a:extLst>
+              <a:ext uri="{FF2B5EF4-FFF2-40B4-BE49-F238E27FC236}">
+                <a16:creationId xmlns:a16="http://schemas.microsoft.com/office/drawing/2014/main" id="{547D1475-AE4D-4F23-AF0A-F8E2E2DE6002}"/>
+              </a:ext>
+            </a:extLst>
+          </p:cNvPr>
+          <p:cNvSpPr>
+            <a:spLocks noGrp="1"/>
+          </p:cNvSpPr>
+          <p:nvPr>
+            <p:ph idx="1"/>
+          </p:nvPr>
+        </p:nvSpPr>
+        <p:spPr>
+          <a:xfrm>
+            <a:off x="6064301" y="4905300"/>
+            <a:ext cx="5493699" cy="1554485"/>
+          </a:xfrm>
+        </p:spPr>
+        <p:txBody>
+          <a:bodyPr anchor="ctr">
+            <a:normAutofit/>
+          </a:bodyPr>
+          <a:lstStyle/>
+          <a:p>
+            <a:r>
+              <a:rPr lang="en-US" dirty="0">
+                <a:solidFill>
+                  <a:srgbClr val="FFFFFF"/>
+                </a:solidFill>
+              </a:rPr>
+              <a:t>There are higher incidence of female patients that missed their appointments</a:t>
+            </a:r>
+          </a:p>
+        </p:txBody>
       </p:sp>
     </p:spTree>
     <p:extLst>
@@ -5034,10 +5437,10 @@
       </p:grpSpPr>
       <p:sp useBgFill="1">
         <p:nvSpPr>
-          <p:cNvPr id="8" name="Rectangle 7">
-            <a:extLst>
-              <a:ext uri="{FF2B5EF4-FFF2-40B4-BE49-F238E27FC236}">
-                <a16:creationId xmlns:a16="http://schemas.microsoft.com/office/drawing/2014/main" id="{3741B58E-3B65-4A01-A276-975AB2CF8A08}"/>
+          <p:cNvPr id="73" name="Rectangle 72">
+            <a:extLst>
+              <a:ext uri="{FF2B5EF4-FFF2-40B4-BE49-F238E27FC236}">
+                <a16:creationId xmlns:a16="http://schemas.microsoft.com/office/drawing/2014/main" id="{39B4056F-1959-4627-A683-77F6C0603FCD}"/>
               </a:ext>
               <a:ext uri="{C183D7F6-B498-43B3-948B-1728B52AA6E4}">
                 <adec:decorative xmlns:adec="http://schemas.microsoft.com/office/drawing/2017/decorative" val="1"/>
@@ -5058,74 +5461,11 @@
         <p:spPr>
           <a:xfrm>
             <a:off x="0" y="0"/>
-            <a:ext cx="12186315" cy="6858000"/>
+            <a:ext cx="12192001" cy="6858000"/>
           </a:xfrm>
           <a:prstGeom prst="rect">
             <a:avLst/>
           </a:prstGeom>
-          <a:ln>
-            <a:noFill/>
-          </a:ln>
-        </p:spPr>
-        <p:style>
-          <a:lnRef idx="2">
-            <a:schemeClr val="accent6">
-              <a:shade val="50000"/>
-            </a:schemeClr>
-          </a:lnRef>
-          <a:fillRef idx="1001">
-            <a:schemeClr val="lt1"/>
-          </a:fillRef>
-          <a:effectRef idx="0">
-            <a:schemeClr val="accent6"/>
-          </a:effectRef>
-          <a:fontRef idx="minor">
-            <a:schemeClr val="lt1"/>
-          </a:fontRef>
-        </p:style>
-        <p:txBody>
-          <a:bodyPr rtlCol="0" anchor="ctr"/>
-          <a:lstStyle/>
-          <a:p>
-            <a:pPr algn="ctr"/>
-            <a:endParaRPr lang="en-US"/>
-          </a:p>
-        </p:txBody>
-      </p:sp>
-      <p:sp>
-        <p:nvSpPr>
-          <p:cNvPr id="10" name="Rectangle 9">
-            <a:extLst>
-              <a:ext uri="{FF2B5EF4-FFF2-40B4-BE49-F238E27FC236}">
-                <a16:creationId xmlns:a16="http://schemas.microsoft.com/office/drawing/2014/main" id="{7AAC67C3-831B-4AB1-A259-DFB839CAFAFC}"/>
-              </a:ext>
-              <a:ext uri="{C183D7F6-B498-43B3-948B-1728B52AA6E4}">
-                <adec:decorative xmlns:adec="http://schemas.microsoft.com/office/drawing/2017/decorative" val="1"/>
-              </a:ext>
-            </a:extLst>
-          </p:cNvPr>
-          <p:cNvSpPr>
-            <a:spLocks noGrp="1" noRot="1" noChangeAspect="1" noMove="1" noResize="1" noEditPoints="1" noAdjustHandles="1" noChangeArrowheads="1" noChangeShapeType="1" noTextEdit="1"/>
-          </p:cNvSpPr>
-          <p:nvPr>
-            <p:extLst>
-              <p:ext uri="{386F3935-93C4-4BCD-93E2-E3B085C9AB24}">
-                <p16:designElem xmlns:p16="http://schemas.microsoft.com/office/powerpoint/2015/main" val="1"/>
-              </p:ext>
-            </p:extLst>
-          </p:nvPr>
-        </p:nvSpPr>
-        <p:spPr>
-          <a:xfrm>
-            <a:off x="16" y="-1"/>
-            <a:ext cx="4648593" cy="6857999"/>
-          </a:xfrm>
-          <a:prstGeom prst="rect">
-            <a:avLst/>
-          </a:prstGeom>
-          <a:solidFill>
-            <a:schemeClr val="accent1"/>
-          </a:solidFill>
           <a:ln>
             <a:noFill/>
           </a:ln>
@@ -5146,84 +5486,67 @@
             <a:schemeClr val="lt1"/>
           </a:fontRef>
         </p:style>
-      </p:sp>
-      <p:sp>
-        <p:nvSpPr>
-          <p:cNvPr id="2" name="Title 1">
-            <a:extLst>
-              <a:ext uri="{FF2B5EF4-FFF2-40B4-BE49-F238E27FC236}">
-                <a16:creationId xmlns:a16="http://schemas.microsoft.com/office/drawing/2014/main" id="{77CFA522-BA14-4FDB-AB62-EECF19BA042F}"/>
-              </a:ext>
-            </a:extLst>
-          </p:cNvPr>
-          <p:cNvSpPr>
-            <a:spLocks noGrp="1"/>
-          </p:cNvSpPr>
-          <p:nvPr>
-            <p:ph type="title"/>
-          </p:nvPr>
-        </p:nvSpPr>
-        <p:spPr>
-          <a:xfrm>
-            <a:off x="492369" y="605896"/>
-            <a:ext cx="3642309" cy="5646208"/>
-          </a:xfrm>
-        </p:spPr>
-        <p:txBody>
-          <a:bodyPr anchor="ctr">
-            <a:normAutofit/>
-          </a:bodyPr>
+        <p:txBody>
+          <a:bodyPr rtlCol="0" anchor="ctr"/>
           <a:lstStyle/>
           <a:p>
-            <a:r>
-              <a:rPr lang="en-US" sz="4400" dirty="0">
+            <a:pPr algn="ctr"/>
+            <a:endParaRPr lang="en-US"/>
+          </a:p>
+        </p:txBody>
+      </p:sp>
+      <p:pic>
+        <p:nvPicPr>
+          <p:cNvPr id="2050" name="Picture 2">
+            <a:extLst>
+              <a:ext uri="{FF2B5EF4-FFF2-40B4-BE49-F238E27FC236}">
+                <a16:creationId xmlns:a16="http://schemas.microsoft.com/office/drawing/2014/main" id="{266B6FCD-E5CB-4800-8B28-B662935AF074}"/>
+              </a:ext>
+            </a:extLst>
+          </p:cNvPr>
+          <p:cNvPicPr>
+            <a:picLocks noChangeAspect="1" noChangeArrowheads="1"/>
+          </p:cNvPicPr>
+          <p:nvPr/>
+        </p:nvPicPr>
+        <p:blipFill>
+          <a:blip r:embed="rId2">
+            <a:extLst>
+              <a:ext uri="{28A0092B-C50C-407E-A947-70E740481C1C}">
+                <a14:useLocalDpi xmlns:a14="http://schemas.microsoft.com/office/drawing/2010/main" val="0"/>
+              </a:ext>
+            </a:extLst>
+          </a:blip>
+          <a:stretch>
+            <a:fillRect/>
+          </a:stretch>
+        </p:blipFill>
+        <p:spPr bwMode="auto">
+          <a:xfrm>
+            <a:off x="2466914" y="643538"/>
+            <a:ext cx="7259272" cy="3557043"/>
+          </a:xfrm>
+          <a:prstGeom prst="rect">
+            <a:avLst/>
+          </a:prstGeom>
+          <a:noFill/>
+          <a:extLst>
+            <a:ext uri="{909E8E84-426E-40DD-AFC4-6F175D3DCCD1}">
+              <a14:hiddenFill xmlns:a14="http://schemas.microsoft.com/office/drawing/2010/main">
                 <a:solidFill>
                   <a:srgbClr val="FFFFFF"/>
                 </a:solidFill>
-              </a:rPr>
-              <a:t>Line Plot from Python</a:t>
-            </a:r>
-          </a:p>
-        </p:txBody>
-      </p:sp>
-      <p:sp>
-        <p:nvSpPr>
-          <p:cNvPr id="3" name="Content Placeholder 2">
-            <a:extLst>
-              <a:ext uri="{FF2B5EF4-FFF2-40B4-BE49-F238E27FC236}">
-                <a16:creationId xmlns:a16="http://schemas.microsoft.com/office/drawing/2014/main" id="{FDC09D0F-EC18-4BBB-8894-064B0464B255}"/>
-              </a:ext>
-            </a:extLst>
-          </p:cNvPr>
-          <p:cNvSpPr>
-            <a:spLocks noGrp="1"/>
-          </p:cNvSpPr>
-          <p:nvPr>
-            <p:ph idx="1"/>
-          </p:nvPr>
-        </p:nvSpPr>
-        <p:spPr>
-          <a:xfrm>
-            <a:off x="5231958" y="605896"/>
-            <a:ext cx="5923721" cy="5646208"/>
-          </a:xfrm>
-        </p:spPr>
-        <p:txBody>
-          <a:bodyPr anchor="ctr">
-            <a:normAutofit/>
-          </a:bodyPr>
-          <a:lstStyle/>
-          <a:p>
-            <a:endParaRPr lang="en-US" sz="2400" dirty="0"/>
-          </a:p>
-        </p:txBody>
-      </p:sp>
-      <p:sp>
-        <p:nvSpPr>
-          <p:cNvPr id="12" name="Rectangle 11">
-            <a:extLst>
-              <a:ext uri="{FF2B5EF4-FFF2-40B4-BE49-F238E27FC236}">
-                <a16:creationId xmlns:a16="http://schemas.microsoft.com/office/drawing/2014/main" id="{FCAEED9E-BB91-43A0-911B-1ACD8803E3CE}"/>
+              </a14:hiddenFill>
+            </a:ext>
+          </a:extLst>
+        </p:spPr>
+      </p:pic>
+      <p:sp>
+        <p:nvSpPr>
+          <p:cNvPr id="75" name="Rectangle 74">
+            <a:extLst>
+              <a:ext uri="{FF2B5EF4-FFF2-40B4-BE49-F238E27FC236}">
+                <a16:creationId xmlns:a16="http://schemas.microsoft.com/office/drawing/2014/main" id="{D8D7349B-C9FA-4FCE-A1FF-948F460A3A9A}"/>
               </a:ext>
               <a:ext uri="{C183D7F6-B498-43B3-948B-1728B52AA6E4}">
                 <adec:decorative xmlns:adec="http://schemas.microsoft.com/office/drawing/2017/decorative" val="1"/>
@@ -5241,10 +5564,10 @@
             </p:extLst>
           </p:nvPr>
         </p:nvSpPr>
-        <p:spPr>
-          <a:xfrm>
-            <a:off x="0" y="6400800"/>
-            <a:ext cx="12192000" cy="457200"/>
+        <p:spPr bwMode="white">
+          <a:xfrm>
+            <a:off x="1507" y="4554906"/>
+            <a:ext cx="12188952" cy="2303094"/>
           </a:xfrm>
           <a:prstGeom prst="rect">
             <a:avLst/>
@@ -5272,6 +5595,137 @@
             <a:schemeClr val="lt1"/>
           </a:fontRef>
         </p:style>
+      </p:sp>
+      <p:sp>
+        <p:nvSpPr>
+          <p:cNvPr id="2" name="Title 1">
+            <a:extLst>
+              <a:ext uri="{FF2B5EF4-FFF2-40B4-BE49-F238E27FC236}">
+                <a16:creationId xmlns:a16="http://schemas.microsoft.com/office/drawing/2014/main" id="{77CFA522-BA14-4FDB-AB62-EECF19BA042F}"/>
+              </a:ext>
+            </a:extLst>
+          </p:cNvPr>
+          <p:cNvSpPr>
+            <a:spLocks noGrp="1"/>
+          </p:cNvSpPr>
+          <p:nvPr>
+            <p:ph type="title"/>
+          </p:nvPr>
+        </p:nvSpPr>
+        <p:spPr>
+          <a:xfrm>
+            <a:off x="633998" y="4905301"/>
+            <a:ext cx="4988879" cy="1554485"/>
+          </a:xfrm>
+        </p:spPr>
+        <p:txBody>
+          <a:bodyPr anchor="ctr">
+            <a:normAutofit/>
+          </a:bodyPr>
+          <a:lstStyle/>
+          <a:p>
+            <a:pPr algn="r"/>
+            <a:r>
+              <a:rPr lang="en-US" sz="4000" dirty="0">
+                <a:solidFill>
+                  <a:srgbClr val="FFFFFF"/>
+                </a:solidFill>
+              </a:rPr>
+              <a:t>Occurrences by Gender and Age</a:t>
+            </a:r>
+          </a:p>
+        </p:txBody>
+      </p:sp>
+      <p:cxnSp>
+        <p:nvCxnSpPr>
+          <p:cNvPr id="77" name="Straight Connector 76">
+            <a:extLst>
+              <a:ext uri="{FF2B5EF4-FFF2-40B4-BE49-F238E27FC236}">
+                <a16:creationId xmlns:a16="http://schemas.microsoft.com/office/drawing/2014/main" id="{55646586-8E5D-4A2B-BDA9-01CE28AC89A1}"/>
+              </a:ext>
+              <a:ext uri="{C183D7F6-B498-43B3-948B-1728B52AA6E4}">
+                <adec:decorative xmlns:adec="http://schemas.microsoft.com/office/drawing/2017/decorative" val="1"/>
+              </a:ext>
+            </a:extLst>
+          </p:cNvPr>
+          <p:cNvCxnSpPr>
+            <a:cxnSpLocks noGrp="1" noRot="1" noChangeAspect="1" noMove="1" noResize="1" noEditPoints="1" noAdjustHandles="1" noChangeArrowheads="1" noChangeShapeType="1"/>
+          </p:cNvCxnSpPr>
+          <p:nvPr>
+            <p:extLst>
+              <p:ext uri="{386F3935-93C4-4BCD-93E2-E3B085C9AB24}">
+                <p16:designElem xmlns:p16="http://schemas.microsoft.com/office/powerpoint/2015/main" val="1"/>
+              </p:ext>
+            </p:extLst>
+          </p:nvPr>
+        </p:nvCxnSpPr>
+        <p:spPr>
+          <a:xfrm>
+            <a:off x="5820770" y="5247564"/>
+            <a:ext cx="0" cy="873457"/>
+          </a:xfrm>
+          <a:prstGeom prst="line">
+            <a:avLst/>
+          </a:prstGeom>
+          <a:ln w="19050">
+            <a:solidFill>
+              <a:srgbClr val="E58F6B"/>
+            </a:solidFill>
+          </a:ln>
+        </p:spPr>
+        <p:style>
+          <a:lnRef idx="1">
+            <a:schemeClr val="accent1"/>
+          </a:lnRef>
+          <a:fillRef idx="0">
+            <a:schemeClr val="accent1"/>
+          </a:fillRef>
+          <a:effectRef idx="0">
+            <a:schemeClr val="accent1"/>
+          </a:effectRef>
+          <a:fontRef idx="minor">
+            <a:schemeClr val="tx1"/>
+          </a:fontRef>
+        </p:style>
+      </p:cxnSp>
+      <p:sp>
+        <p:nvSpPr>
+          <p:cNvPr id="2054" name="Content Placeholder 2053">
+            <a:extLst>
+              <a:ext uri="{FF2B5EF4-FFF2-40B4-BE49-F238E27FC236}">
+                <a16:creationId xmlns:a16="http://schemas.microsoft.com/office/drawing/2014/main" id="{71093672-0A05-46E2-AC47-16D731B64B96}"/>
+              </a:ext>
+            </a:extLst>
+          </p:cNvPr>
+          <p:cNvSpPr>
+            <a:spLocks noGrp="1"/>
+          </p:cNvSpPr>
+          <p:nvPr>
+            <p:ph idx="1"/>
+          </p:nvPr>
+        </p:nvSpPr>
+        <p:spPr>
+          <a:xfrm>
+            <a:off x="6064301" y="4905300"/>
+            <a:ext cx="5493699" cy="1554485"/>
+          </a:xfrm>
+        </p:spPr>
+        <p:txBody>
+          <a:bodyPr anchor="ctr">
+            <a:normAutofit/>
+          </a:bodyPr>
+          <a:lstStyle/>
+          <a:p>
+            <a:r>
+              <a:rPr lang="en-US" dirty="0">
+                <a:solidFill>
+                  <a:srgbClr val="FFFFFF"/>
+                </a:solidFill>
+              </a:rPr>
+              <a:t>Female patients missed more appointments than their male counterparts across age groups with some overlap on during under 20 age group.</a:t>
+            </a:r>
+          </a:p>
+        </p:txBody>
       </p:sp>
     </p:spTree>
     <p:extLst>
@@ -5313,10 +5767,10 @@
       </p:grpSpPr>
       <p:sp useBgFill="1">
         <p:nvSpPr>
-          <p:cNvPr id="8" name="Rectangle 7">
-            <a:extLst>
-              <a:ext uri="{FF2B5EF4-FFF2-40B4-BE49-F238E27FC236}">
-                <a16:creationId xmlns:a16="http://schemas.microsoft.com/office/drawing/2014/main" id="{3741B58E-3B65-4A01-A276-975AB2CF8A08}"/>
+          <p:cNvPr id="75" name="Rectangle 74">
+            <a:extLst>
+              <a:ext uri="{FF2B5EF4-FFF2-40B4-BE49-F238E27FC236}">
+                <a16:creationId xmlns:a16="http://schemas.microsoft.com/office/drawing/2014/main" id="{39B4056F-1959-4627-A683-77F6C0603FCD}"/>
               </a:ext>
               <a:ext uri="{C183D7F6-B498-43B3-948B-1728B52AA6E4}">
                 <adec:decorative xmlns:adec="http://schemas.microsoft.com/office/drawing/2017/decorative" val="1"/>
@@ -5337,74 +5791,11 @@
         <p:spPr>
           <a:xfrm>
             <a:off x="0" y="0"/>
-            <a:ext cx="12186315" cy="6858000"/>
+            <a:ext cx="12192001" cy="6858000"/>
           </a:xfrm>
           <a:prstGeom prst="rect">
             <a:avLst/>
           </a:prstGeom>
-          <a:ln>
-            <a:noFill/>
-          </a:ln>
-        </p:spPr>
-        <p:style>
-          <a:lnRef idx="2">
-            <a:schemeClr val="accent6">
-              <a:shade val="50000"/>
-            </a:schemeClr>
-          </a:lnRef>
-          <a:fillRef idx="1001">
-            <a:schemeClr val="lt1"/>
-          </a:fillRef>
-          <a:effectRef idx="0">
-            <a:schemeClr val="accent6"/>
-          </a:effectRef>
-          <a:fontRef idx="minor">
-            <a:schemeClr val="lt1"/>
-          </a:fontRef>
-        </p:style>
-        <p:txBody>
-          <a:bodyPr rtlCol="0" anchor="ctr"/>
-          <a:lstStyle/>
-          <a:p>
-            <a:pPr algn="ctr"/>
-            <a:endParaRPr lang="en-US"/>
-          </a:p>
-        </p:txBody>
-      </p:sp>
-      <p:sp>
-        <p:nvSpPr>
-          <p:cNvPr id="10" name="Rectangle 9">
-            <a:extLst>
-              <a:ext uri="{FF2B5EF4-FFF2-40B4-BE49-F238E27FC236}">
-                <a16:creationId xmlns:a16="http://schemas.microsoft.com/office/drawing/2014/main" id="{7AAC67C3-831B-4AB1-A259-DFB839CAFAFC}"/>
-              </a:ext>
-              <a:ext uri="{C183D7F6-B498-43B3-948B-1728B52AA6E4}">
-                <adec:decorative xmlns:adec="http://schemas.microsoft.com/office/drawing/2017/decorative" val="1"/>
-              </a:ext>
-            </a:extLst>
-          </p:cNvPr>
-          <p:cNvSpPr>
-            <a:spLocks noGrp="1" noRot="1" noChangeAspect="1" noMove="1" noResize="1" noEditPoints="1" noAdjustHandles="1" noChangeArrowheads="1" noChangeShapeType="1" noTextEdit="1"/>
-          </p:cNvSpPr>
-          <p:nvPr>
-            <p:extLst>
-              <p:ext uri="{386F3935-93C4-4BCD-93E2-E3B085C9AB24}">
-                <p16:designElem xmlns:p16="http://schemas.microsoft.com/office/powerpoint/2015/main" val="1"/>
-              </p:ext>
-            </p:extLst>
-          </p:nvPr>
-        </p:nvSpPr>
-        <p:spPr>
-          <a:xfrm>
-            <a:off x="16" y="-1"/>
-            <a:ext cx="4648593" cy="6857999"/>
-          </a:xfrm>
-          <a:prstGeom prst="rect">
-            <a:avLst/>
-          </a:prstGeom>
-          <a:solidFill>
-            <a:schemeClr val="accent1"/>
-          </a:solidFill>
           <a:ln>
             <a:noFill/>
           </a:ln>
@@ -5425,99 +5816,67 @@
             <a:schemeClr val="lt1"/>
           </a:fontRef>
         </p:style>
-      </p:sp>
-      <p:sp>
-        <p:nvSpPr>
-          <p:cNvPr id="2" name="Title 1">
-            <a:extLst>
-              <a:ext uri="{FF2B5EF4-FFF2-40B4-BE49-F238E27FC236}">
-                <a16:creationId xmlns:a16="http://schemas.microsoft.com/office/drawing/2014/main" id="{77CFA522-BA14-4FDB-AB62-EECF19BA042F}"/>
-              </a:ext>
-            </a:extLst>
-          </p:cNvPr>
-          <p:cNvSpPr>
-            <a:spLocks noGrp="1"/>
-          </p:cNvSpPr>
-          <p:nvPr>
-            <p:ph type="title"/>
-          </p:nvPr>
-        </p:nvSpPr>
-        <p:spPr>
-          <a:xfrm>
-            <a:off x="492369" y="605896"/>
-            <a:ext cx="3642309" cy="5646208"/>
-          </a:xfrm>
-        </p:spPr>
-        <p:txBody>
-          <a:bodyPr anchor="ctr">
-            <a:normAutofit/>
-          </a:bodyPr>
+        <p:txBody>
+          <a:bodyPr rtlCol="0" anchor="ctr"/>
           <a:lstStyle/>
           <a:p>
-            <a:r>
-              <a:rPr lang="en-US" sz="4400" dirty="0">
+            <a:pPr algn="ctr"/>
+            <a:endParaRPr lang="en-US"/>
+          </a:p>
+        </p:txBody>
+      </p:sp>
+      <p:pic>
+        <p:nvPicPr>
+          <p:cNvPr id="3076" name="Picture 4">
+            <a:extLst>
+              <a:ext uri="{FF2B5EF4-FFF2-40B4-BE49-F238E27FC236}">
+                <a16:creationId xmlns:a16="http://schemas.microsoft.com/office/drawing/2014/main" id="{59D8E296-BD0B-4D6D-B0FB-543035AB5627}"/>
+              </a:ext>
+            </a:extLst>
+          </p:cNvPr>
+          <p:cNvPicPr>
+            <a:picLocks noChangeAspect="1" noChangeArrowheads="1"/>
+          </p:cNvPicPr>
+          <p:nvPr/>
+        </p:nvPicPr>
+        <p:blipFill>
+          <a:blip r:embed="rId2">
+            <a:extLst>
+              <a:ext uri="{28A0092B-C50C-407E-A947-70E740481C1C}">
+                <a14:useLocalDpi xmlns:a14="http://schemas.microsoft.com/office/drawing/2010/main" val="0"/>
+              </a:ext>
+            </a:extLst>
+          </a:blip>
+          <a:stretch>
+            <a:fillRect/>
+          </a:stretch>
+        </p:blipFill>
+        <p:spPr bwMode="auto">
+          <a:xfrm>
+            <a:off x="2997171" y="463963"/>
+            <a:ext cx="6134259" cy="3820593"/>
+          </a:xfrm>
+          <a:prstGeom prst="rect">
+            <a:avLst/>
+          </a:prstGeom>
+          <a:noFill/>
+          <a:extLst>
+            <a:ext uri="{909E8E84-426E-40DD-AFC4-6F175D3DCCD1}">
+              <a14:hiddenFill xmlns:a14="http://schemas.microsoft.com/office/drawing/2010/main">
                 <a:solidFill>
                   <a:srgbClr val="FFFFFF"/>
                 </a:solidFill>
-              </a:rPr>
-              <a:t>Histogram</a:t>
-            </a:r>
-            <a:br>
-              <a:rPr lang="en-US" sz="4400" dirty="0">
-                <a:solidFill>
-                  <a:srgbClr val="FFFFFF"/>
-                </a:solidFill>
-              </a:rPr>
-            </a:br>
-            <a:r>
-              <a:rPr lang="en-US" sz="4400" dirty="0">
-                <a:solidFill>
-                  <a:srgbClr val="FFFFFF"/>
-                </a:solidFill>
-              </a:rPr>
-              <a:t>from Python</a:t>
-            </a:r>
-          </a:p>
-        </p:txBody>
-      </p:sp>
-      <p:sp>
-        <p:nvSpPr>
-          <p:cNvPr id="3" name="Content Placeholder 2">
-            <a:extLst>
-              <a:ext uri="{FF2B5EF4-FFF2-40B4-BE49-F238E27FC236}">
-                <a16:creationId xmlns:a16="http://schemas.microsoft.com/office/drawing/2014/main" id="{FDC09D0F-EC18-4BBB-8894-064B0464B255}"/>
-              </a:ext>
-            </a:extLst>
-          </p:cNvPr>
-          <p:cNvSpPr>
-            <a:spLocks noGrp="1"/>
-          </p:cNvSpPr>
-          <p:nvPr>
-            <p:ph idx="1"/>
-          </p:nvPr>
-        </p:nvSpPr>
-        <p:spPr>
-          <a:xfrm>
-            <a:off x="5231958" y="605896"/>
-            <a:ext cx="5923721" cy="5646208"/>
-          </a:xfrm>
-        </p:spPr>
-        <p:txBody>
-          <a:bodyPr anchor="ctr">
-            <a:normAutofit/>
-          </a:bodyPr>
-          <a:lstStyle/>
-          <a:p>
-            <a:endParaRPr lang="en-US" sz="2400" dirty="0"/>
-          </a:p>
-        </p:txBody>
-      </p:sp>
-      <p:sp>
-        <p:nvSpPr>
-          <p:cNvPr id="12" name="Rectangle 11">
-            <a:extLst>
-              <a:ext uri="{FF2B5EF4-FFF2-40B4-BE49-F238E27FC236}">
-                <a16:creationId xmlns:a16="http://schemas.microsoft.com/office/drawing/2014/main" id="{FCAEED9E-BB91-43A0-911B-1ACD8803E3CE}"/>
+              </a14:hiddenFill>
+            </a:ext>
+          </a:extLst>
+        </p:spPr>
+      </p:pic>
+      <p:sp>
+        <p:nvSpPr>
+          <p:cNvPr id="77" name="Rectangle 76">
+            <a:extLst>
+              <a:ext uri="{FF2B5EF4-FFF2-40B4-BE49-F238E27FC236}">
+                <a16:creationId xmlns:a16="http://schemas.microsoft.com/office/drawing/2014/main" id="{D8D7349B-C9FA-4FCE-A1FF-948F460A3A9A}"/>
               </a:ext>
               <a:ext uri="{C183D7F6-B498-43B3-948B-1728B52AA6E4}">
                 <adec:decorative xmlns:adec="http://schemas.microsoft.com/office/drawing/2017/decorative" val="1"/>
@@ -5535,10 +5894,10 @@
             </p:extLst>
           </p:nvPr>
         </p:nvSpPr>
-        <p:spPr>
-          <a:xfrm>
-            <a:off x="0" y="6400800"/>
-            <a:ext cx="12192000" cy="457200"/>
+        <p:spPr bwMode="white">
+          <a:xfrm>
+            <a:off x="1507" y="4554906"/>
+            <a:ext cx="12188952" cy="2303094"/>
           </a:xfrm>
           <a:prstGeom prst="rect">
             <a:avLst/>
@@ -5566,6 +5925,147 @@
             <a:schemeClr val="lt1"/>
           </a:fontRef>
         </p:style>
+      </p:sp>
+      <p:sp>
+        <p:nvSpPr>
+          <p:cNvPr id="2" name="Title 1">
+            <a:extLst>
+              <a:ext uri="{FF2B5EF4-FFF2-40B4-BE49-F238E27FC236}">
+                <a16:creationId xmlns:a16="http://schemas.microsoft.com/office/drawing/2014/main" id="{77CFA522-BA14-4FDB-AB62-EECF19BA042F}"/>
+              </a:ext>
+            </a:extLst>
+          </p:cNvPr>
+          <p:cNvSpPr>
+            <a:spLocks noGrp="1"/>
+          </p:cNvSpPr>
+          <p:nvPr>
+            <p:ph type="title"/>
+          </p:nvPr>
+        </p:nvSpPr>
+        <p:spPr>
+          <a:xfrm>
+            <a:off x="633998" y="4905301"/>
+            <a:ext cx="4988879" cy="1554485"/>
+          </a:xfrm>
+        </p:spPr>
+        <p:txBody>
+          <a:bodyPr anchor="ctr">
+            <a:normAutofit/>
+          </a:bodyPr>
+          <a:lstStyle/>
+          <a:p>
+            <a:pPr algn="r"/>
+            <a:r>
+              <a:rPr lang="en-US" sz="4000" dirty="0">
+                <a:solidFill>
+                  <a:srgbClr val="FFFFFF"/>
+                </a:solidFill>
+              </a:rPr>
+              <a:t>Age Distribution</a:t>
+            </a:r>
+          </a:p>
+        </p:txBody>
+      </p:sp>
+      <p:cxnSp>
+        <p:nvCxnSpPr>
+          <p:cNvPr id="79" name="Straight Connector 78">
+            <a:extLst>
+              <a:ext uri="{FF2B5EF4-FFF2-40B4-BE49-F238E27FC236}">
+                <a16:creationId xmlns:a16="http://schemas.microsoft.com/office/drawing/2014/main" id="{55646586-8E5D-4A2B-BDA9-01CE28AC89A1}"/>
+              </a:ext>
+              <a:ext uri="{C183D7F6-B498-43B3-948B-1728B52AA6E4}">
+                <adec:decorative xmlns:adec="http://schemas.microsoft.com/office/drawing/2017/decorative" val="1"/>
+              </a:ext>
+            </a:extLst>
+          </p:cNvPr>
+          <p:cNvCxnSpPr>
+            <a:cxnSpLocks noGrp="1" noRot="1" noChangeAspect="1" noMove="1" noResize="1" noEditPoints="1" noAdjustHandles="1" noChangeArrowheads="1" noChangeShapeType="1"/>
+          </p:cNvCxnSpPr>
+          <p:nvPr>
+            <p:extLst>
+              <p:ext uri="{386F3935-93C4-4BCD-93E2-E3B085C9AB24}">
+                <p16:designElem xmlns:p16="http://schemas.microsoft.com/office/powerpoint/2015/main" val="1"/>
+              </p:ext>
+            </p:extLst>
+          </p:nvPr>
+        </p:nvCxnSpPr>
+        <p:spPr>
+          <a:xfrm>
+            <a:off x="5820770" y="5247564"/>
+            <a:ext cx="0" cy="873457"/>
+          </a:xfrm>
+          <a:prstGeom prst="line">
+            <a:avLst/>
+          </a:prstGeom>
+          <a:ln w="19050">
+            <a:solidFill>
+              <a:srgbClr val="4C72B0"/>
+            </a:solidFill>
+          </a:ln>
+        </p:spPr>
+        <p:style>
+          <a:lnRef idx="1">
+            <a:schemeClr val="accent1"/>
+          </a:lnRef>
+          <a:fillRef idx="0">
+            <a:schemeClr val="accent1"/>
+          </a:fillRef>
+          <a:effectRef idx="0">
+            <a:schemeClr val="accent1"/>
+          </a:effectRef>
+          <a:fontRef idx="minor">
+            <a:schemeClr val="tx1"/>
+          </a:fontRef>
+        </p:style>
+      </p:cxnSp>
+      <p:sp>
+        <p:nvSpPr>
+          <p:cNvPr id="3080" name="Content Placeholder 3079">
+            <a:extLst>
+              <a:ext uri="{FF2B5EF4-FFF2-40B4-BE49-F238E27FC236}">
+                <a16:creationId xmlns:a16="http://schemas.microsoft.com/office/drawing/2014/main" id="{D23C5B8A-FCBB-4DD7-B60F-5234A2870AB5}"/>
+              </a:ext>
+            </a:extLst>
+          </p:cNvPr>
+          <p:cNvSpPr>
+            <a:spLocks noGrp="1"/>
+          </p:cNvSpPr>
+          <p:nvPr>
+            <p:ph idx="1"/>
+          </p:nvPr>
+        </p:nvSpPr>
+        <p:spPr>
+          <a:xfrm>
+            <a:off x="6064301" y="4905300"/>
+            <a:ext cx="5493699" cy="1554485"/>
+          </a:xfrm>
+        </p:spPr>
+        <p:txBody>
+          <a:bodyPr anchor="ctr">
+            <a:normAutofit/>
+          </a:bodyPr>
+          <a:lstStyle/>
+          <a:p>
+            <a:r>
+              <a:rPr lang="en-US" dirty="0">
+                <a:solidFill>
+                  <a:srgbClr val="FFFFFF"/>
+                </a:solidFill>
+              </a:rPr>
+              <a:t>Age distribution is left-skewed (negative skewness).</a:t>
+            </a:r>
+          </a:p>
+          <a:p>
+            <a:r>
+              <a:rPr lang="en-US" dirty="0">
+                <a:solidFill>
+                  <a:srgbClr val="FFFFFF"/>
+                </a:solidFill>
+              </a:rPr>
+              <a:t>Minimum age = 1 | Mean age = 50.12 | Maximum age= 99 | Median age = 53</a:t>
+            </a:r>
+          </a:p>
+        </p:txBody>
       </p:sp>
     </p:spTree>
     <p:extLst>
@@ -5583,6 +6083,14 @@
 <file path=ppt/slides/slide9.xml><?xml version="1.0" encoding="utf-8"?>
 <p:sld xmlns:a="http://schemas.openxmlformats.org/drawingml/2006/main" xmlns:r="http://schemas.openxmlformats.org/officeDocument/2006/relationships" xmlns:p="http://schemas.openxmlformats.org/presentationml/2006/main">
   <p:cSld>
+    <p:bg>
+      <p:bgPr>
+        <a:solidFill>
+          <a:schemeClr val="bg1"/>
+        </a:solidFill>
+        <a:effectLst/>
+      </p:bgPr>
+    </p:bg>
     <p:spTree>
       <p:nvGrpSpPr>
         <p:cNvPr id="1" name=""/>
@@ -5597,12 +6105,196 @@
           <a:chExt cx="0" cy="0"/>
         </a:xfrm>
       </p:grpSpPr>
-      <p:sp>
-        <p:nvSpPr>
-          <p:cNvPr id="4" name="Rectangle 3">
-            <a:extLst>
-              <a:ext uri="{FF2B5EF4-FFF2-40B4-BE49-F238E27FC236}">
-                <a16:creationId xmlns:a16="http://schemas.microsoft.com/office/drawing/2014/main" id="{389DF90B-AF23-4AA1-BD54-741CDDE7D1DC}"/>
+      <p:sp useBgFill="1">
+        <p:nvSpPr>
+          <p:cNvPr id="36" name="Rectangle 29">
+            <a:extLst>
+              <a:ext uri="{FF2B5EF4-FFF2-40B4-BE49-F238E27FC236}">
+                <a16:creationId xmlns:a16="http://schemas.microsoft.com/office/drawing/2014/main" id="{44C5A9E5-0F35-4AA6-AF26-B90A2D47BC43}"/>
+              </a:ext>
+              <a:ext uri="{C183D7F6-B498-43B3-948B-1728B52AA6E4}">
+                <adec:decorative xmlns:adec="http://schemas.microsoft.com/office/drawing/2017/decorative" val="1"/>
+              </a:ext>
+            </a:extLst>
+          </p:cNvPr>
+          <p:cNvSpPr>
+            <a:spLocks noGrp="1" noRot="1" noChangeAspect="1" noMove="1" noResize="1" noEditPoints="1" noAdjustHandles="1" noChangeArrowheads="1" noChangeShapeType="1" noTextEdit="1"/>
+          </p:cNvSpPr>
+          <p:nvPr>
+            <p:extLst>
+              <p:ext uri="{386F3935-93C4-4BCD-93E2-E3B085C9AB24}">
+                <p16:designElem xmlns:p16="http://schemas.microsoft.com/office/powerpoint/2015/main" val="1"/>
+              </p:ext>
+            </p:extLst>
+          </p:nvPr>
+        </p:nvSpPr>
+        <p:spPr>
+          <a:xfrm>
+            <a:off x="0" y="1"/>
+            <a:ext cx="12192000" cy="6857999"/>
+          </a:xfrm>
+          <a:prstGeom prst="rect">
+            <a:avLst/>
+          </a:prstGeom>
+          <a:ln>
+            <a:noFill/>
+          </a:ln>
+        </p:spPr>
+        <p:style>
+          <a:lnRef idx="2">
+            <a:schemeClr val="accent1">
+              <a:shade val="50000"/>
+            </a:schemeClr>
+          </a:lnRef>
+          <a:fillRef idx="1">
+            <a:schemeClr val="accent1"/>
+          </a:fillRef>
+          <a:effectRef idx="0">
+            <a:schemeClr val="accent1"/>
+          </a:effectRef>
+          <a:fontRef idx="minor">
+            <a:schemeClr val="lt1"/>
+          </a:fontRef>
+        </p:style>
+        <p:txBody>
+          <a:bodyPr rtlCol="0" anchor="ctr"/>
+          <a:lstStyle/>
+          <a:p>
+            <a:pPr algn="ctr"/>
+            <a:endParaRPr lang="en-US"/>
+          </a:p>
+        </p:txBody>
+      </p:sp>
+      <p:pic>
+        <p:nvPicPr>
+          <p:cNvPr id="3" name="Picture 2">
+            <a:extLst>
+              <a:ext uri="{FF2B5EF4-FFF2-40B4-BE49-F238E27FC236}">
+                <a16:creationId xmlns:a16="http://schemas.microsoft.com/office/drawing/2014/main" id="{F480192B-05C7-4CBA-A94F-2EAD94970243}"/>
+              </a:ext>
+            </a:extLst>
+          </p:cNvPr>
+          <p:cNvPicPr>
+            <a:picLocks noChangeAspect="1"/>
+          </p:cNvPicPr>
+          <p:nvPr/>
+        </p:nvPicPr>
+        <p:blipFill>
+          <a:blip r:embed="rId2"/>
+          <a:stretch>
+            <a:fillRect/>
+          </a:stretch>
+        </p:blipFill>
+        <p:spPr>
+          <a:xfrm>
+            <a:off x="4254760" y="1315617"/>
+            <a:ext cx="7717275" cy="4851918"/>
+          </a:xfrm>
+          <a:prstGeom prst="rect">
+            <a:avLst/>
+          </a:prstGeom>
+        </p:spPr>
+      </p:pic>
+      <p:sp>
+        <p:nvSpPr>
+          <p:cNvPr id="37" name="Rectangle 31">
+            <a:extLst>
+              <a:ext uri="{FF2B5EF4-FFF2-40B4-BE49-F238E27FC236}">
+                <a16:creationId xmlns:a16="http://schemas.microsoft.com/office/drawing/2014/main" id="{50BC3489-C3CF-4390-987A-9726B968708D}"/>
+              </a:ext>
+              <a:ext uri="{C183D7F6-B498-43B3-948B-1728B52AA6E4}">
+                <adec:decorative xmlns:adec="http://schemas.microsoft.com/office/drawing/2017/decorative" val="1"/>
+              </a:ext>
+            </a:extLst>
+          </p:cNvPr>
+          <p:cNvSpPr>
+            <a:spLocks noGrp="1" noRot="1" noChangeAspect="1" noMove="1" noResize="1" noEditPoints="1" noAdjustHandles="1" noChangeArrowheads="1" noChangeShapeType="1" noTextEdit="1"/>
+          </p:cNvSpPr>
+          <p:nvPr>
+            <p:extLst>
+              <p:ext uri="{386F3935-93C4-4BCD-93E2-E3B085C9AB24}">
+                <p16:designElem xmlns:p16="http://schemas.microsoft.com/office/powerpoint/2015/main" val="1"/>
+              </p:ext>
+            </p:extLst>
+          </p:nvPr>
+        </p:nvSpPr>
+        <p:spPr>
+          <a:xfrm>
+            <a:off x="3175" y="6400800"/>
+            <a:ext cx="12188825" cy="457200"/>
+          </a:xfrm>
+          <a:prstGeom prst="rect">
+            <a:avLst/>
+          </a:prstGeom>
+          <a:solidFill>
+            <a:srgbClr val="262626"/>
+          </a:solidFill>
+          <a:ln>
+            <a:noFill/>
+          </a:ln>
+        </p:spPr>
+        <p:style>
+          <a:lnRef idx="2">
+            <a:schemeClr val="accent1">
+              <a:shade val="50000"/>
+            </a:schemeClr>
+          </a:lnRef>
+          <a:fillRef idx="1">
+            <a:schemeClr val="accent1"/>
+          </a:fillRef>
+          <a:effectRef idx="0">
+            <a:schemeClr val="accent1"/>
+          </a:effectRef>
+          <a:fontRef idx="minor">
+            <a:schemeClr val="lt1"/>
+          </a:fontRef>
+        </p:style>
+      </p:sp>
+      <p:pic>
+        <p:nvPicPr>
+          <p:cNvPr id="6" name="Picture 5">
+            <a:extLst>
+              <a:ext uri="{FF2B5EF4-FFF2-40B4-BE49-F238E27FC236}">
+                <a16:creationId xmlns:a16="http://schemas.microsoft.com/office/drawing/2014/main" id="{5DD36591-3C5E-4D8D-9468-482EC5565F45}"/>
+              </a:ext>
+            </a:extLst>
+          </p:cNvPr>
+          <p:cNvPicPr>
+            <a:picLocks noChangeAspect="1"/>
+          </p:cNvPicPr>
+          <p:nvPr/>
+        </p:nvPicPr>
+        <p:blipFill rotWithShape="1">
+          <a:blip r:embed="rId3"/>
+          <a:srcRect l="13460" t="4787" r="4285"/>
+          <a:stretch/>
+        </p:blipFill>
+        <p:spPr>
+          <a:xfrm>
+            <a:off x="335555" y="461394"/>
+            <a:ext cx="5535730" cy="5174296"/>
+          </a:xfrm>
+          <a:prstGeom prst="rect">
+            <a:avLst/>
+          </a:prstGeom>
+          <a:ln>
+            <a:noFill/>
+          </a:ln>
+          <a:effectLst>
+            <a:outerShdw blurRad="292100" dist="139700" dir="2700000" algn="tl" rotWithShape="0">
+              <a:srgbClr val="333333">
+                <a:alpha val="65000"/>
+              </a:srgbClr>
+            </a:outerShdw>
+          </a:effectLst>
+        </p:spPr>
+      </p:pic>
+      <p:sp>
+        <p:nvSpPr>
+          <p:cNvPr id="7" name="Rectangle 6">
+            <a:extLst>
+              <a:ext uri="{FF2B5EF4-FFF2-40B4-BE49-F238E27FC236}">
+                <a16:creationId xmlns:a16="http://schemas.microsoft.com/office/drawing/2014/main" id="{4BD607F0-3B14-4F1F-AF61-E5683D7F0876}"/>
               </a:ext>
             </a:extLst>
           </p:cNvPr>
@@ -5611,8 +6303,8 @@
         </p:nvSpPr>
         <p:spPr>
           <a:xfrm>
-            <a:off x="443327" y="140245"/>
-            <a:ext cx="3956596" cy="923330"/>
+            <a:off x="6009184" y="159022"/>
+            <a:ext cx="5962851" cy="923330"/>
           </a:xfrm>
           <a:prstGeom prst="rect">
             <a:avLst/>
@@ -5627,11 +6319,8 @@
           <a:p>
             <a:pPr algn="ctr"/>
             <a:r>
-              <a:rPr lang="en-US" sz="5400" b="0" cap="none" spc="0" dirty="0">
+              <a:rPr lang="en-US" sz="5400" dirty="0">
                 <a:ln w="0"/>
-                <a:solidFill>
-                  <a:schemeClr val="tx1"/>
-                </a:solidFill>
                 <a:effectLst>
                   <a:outerShdw blurRad="38100" dist="19050" dir="2700000" algn="tl" rotWithShape="0">
                     <a:schemeClr val="dk1">
@@ -5640,15 +6329,28 @@
                   </a:outerShdw>
                 </a:effectLst>
               </a:rPr>
-              <a:t>Dashboard 1</a:t>
-            </a:r>
+              <a:t>By State &amp; Zip Code</a:t>
+            </a:r>
+            <a:endParaRPr lang="en-US" sz="5400" b="0" cap="none" spc="0" dirty="0">
+              <a:ln w="0"/>
+              <a:solidFill>
+                <a:schemeClr val="tx1"/>
+              </a:solidFill>
+              <a:effectLst>
+                <a:outerShdw blurRad="38100" dist="19050" dir="2700000" algn="tl" rotWithShape="0">
+                  <a:schemeClr val="dk1">
+                    <a:alpha val="40000"/>
+                  </a:schemeClr>
+                </a:outerShdw>
+              </a:effectLst>
+            </a:endParaRPr>
           </a:p>
         </p:txBody>
       </p:sp>
     </p:spTree>
     <p:extLst>
       <p:ext uri="{BB962C8B-B14F-4D97-AF65-F5344CB8AC3E}">
-        <p14:creationId xmlns:p14="http://schemas.microsoft.com/office/powerpoint/2010/main" val="3448532603"/>
+        <p14:creationId xmlns:p14="http://schemas.microsoft.com/office/powerpoint/2010/main" val="3208493894"/>
       </p:ext>
     </p:extLst>
   </p:cSld>
@@ -6080,15 +6782,6 @@
 </file>
 
 <file path=customXml/item2.xml><?xml version="1.0" encoding="utf-8"?>
-<?mso-contentType ?>
-<FormTemplates xmlns="http://schemas.microsoft.com/sharepoint/v3/contenttype/forms">
-  <Display>DocumentLibraryForm</Display>
-  <Edit>DocumentLibraryForm</Edit>
-  <New>DocumentLibraryForm</New>
-</FormTemplates>
-</file>
-
-<file path=customXml/item3.xml><?xml version="1.0" encoding="utf-8"?>
 <ct:contentTypeSchema xmlns:ct="http://schemas.microsoft.com/office/2006/metadata/contentType" xmlns:ma="http://schemas.microsoft.com/office/2006/metadata/properties/metaAttributes" ct:_="" ma:_="" ma:contentTypeName="Document" ma:contentTypeID="0x01010079F111ED35F8CC479449609E8A0923A6" ma:contentTypeVersion="12" ma:contentTypeDescription="Create a new document." ma:contentTypeScope="" ma:versionID="a410dd7f93c95333ffa1b60ed6adedd1">
   <xsd:schema xmlns:xsd="http://www.w3.org/2001/XMLSchema" xmlns:xs="http://www.w3.org/2001/XMLSchema" xmlns:p="http://schemas.microsoft.com/office/2006/metadata/properties" xmlns:ns2="71af3243-3dd4-4a8d-8c0d-dd76da1f02a5" xmlns:ns3="16c05727-aa75-4e4a-9b5f-8a80a1165891" targetNamespace="http://schemas.microsoft.com/office/2006/metadata/properties" ma:root="true" ma:fieldsID="a936d9baba76aa3866493feff160faab" ns2:_="" ns3:_="">
     <xsd:import namespace="71af3243-3dd4-4a8d-8c0d-dd76da1f02a5"/>
@@ -6309,6 +7002,15 @@
 </ct:contentTypeSchema>
 </file>
 
+<file path=customXml/item3.xml><?xml version="1.0" encoding="utf-8"?>
+<?mso-contentType ?>
+<FormTemplates xmlns="http://schemas.microsoft.com/sharepoint/v3/contenttype/forms">
+  <Display>DocumentLibraryForm</Display>
+  <Edit>DocumentLibraryForm</Edit>
+  <New>DocumentLibraryForm</New>
+</FormTemplates>
+</file>
+
 <file path=customXml/itemProps1.xml><?xml version="1.0" encoding="utf-8"?>
 <ds:datastoreItem xmlns:ds="http://schemas.openxmlformats.org/officeDocument/2006/customXml" ds:itemID="{A03EEFF0-FB57-4CB4-8BFC-DF397689E2ED}">
   <ds:schemaRefs>
@@ -6320,14 +7022,6 @@
 </file>
 
 <file path=customXml/itemProps2.xml><?xml version="1.0" encoding="utf-8"?>
-<ds:datastoreItem xmlns:ds="http://schemas.openxmlformats.org/officeDocument/2006/customXml" ds:itemID="{AA3F7EDC-E5B4-4BBC-9D2A-CBE6D46C37AD}">
-  <ds:schemaRefs>
-    <ds:schemaRef ds:uri="http://schemas.microsoft.com/sharepoint/v3/contenttype/forms"/>
-  </ds:schemaRefs>
-</ds:datastoreItem>
-</file>
-
-<file path=customXml/itemProps3.xml><?xml version="1.0" encoding="utf-8"?>
 <ds:datastoreItem xmlns:ds="http://schemas.openxmlformats.org/officeDocument/2006/customXml" ds:itemID="{93932EF5-314F-409E-8020-FEE5FA0795B9}">
   <ds:schemaRefs>
     <ds:schemaRef ds:uri="http://schemas.microsoft.com/office/2006/metadata/contentType"/>
@@ -6344,4 +7038,12 @@
     <ds:schemaRef ds:uri="http://schemas.microsoft.com/internal/obd"/>
   </ds:schemaRefs>
 </ds:datastoreItem>
+</file>
+
+<file path=customXml/itemProps3.xml><?xml version="1.0" encoding="utf-8"?>
+<ds:datastoreItem xmlns:ds="http://schemas.openxmlformats.org/officeDocument/2006/customXml" ds:itemID="{AA3F7EDC-E5B4-4BBC-9D2A-CBE6D46C37AD}">
+  <ds:schemaRefs>
+    <ds:schemaRef ds:uri="http://schemas.microsoft.com/sharepoint/v3/contenttype/forms"/>
+  </ds:schemaRefs>
+</ds:datastoreItem>
 </file>